--- a/NLP 2팀 발표 자료.pptx
+++ b/NLP 2팀 발표 자료.pptx
@@ -6688,7 +6688,7 @@
                   <a:srgbClr val="19264B"/>
                 </a:solidFill>
               </a:rPr>
-              <a:t>CUAI 스터디 </a:t>
+              <a:t>CUAI </a:t>
             </a:r>
             <a:r>
               <a:rPr lang="en-US" altLang="ko" sz="2500" b="1" dirty="0">
@@ -6696,7 +6696,23 @@
                   <a:srgbClr val="19264B"/>
                 </a:solidFill>
               </a:rPr>
-              <a:t>CS224N</a:t>
+              <a:t>NLP</a:t>
+            </a:r>
+            <a:r>
+              <a:rPr lang="ko-KR" altLang="en-US" sz="2500" b="1" dirty="0">
+                <a:solidFill>
+                  <a:srgbClr val="19264B"/>
+                </a:solidFill>
+              </a:rPr>
+              <a:t> </a:t>
+            </a:r>
+            <a:r>
+              <a:rPr lang="en-US" altLang="ko-KR" sz="2500" b="1" dirty="0">
+                <a:solidFill>
+                  <a:srgbClr val="19264B"/>
+                </a:solidFill>
+              </a:rPr>
+              <a:t>2</a:t>
             </a:r>
             <a:r>
               <a:rPr lang="ko-KR" altLang="en-US" sz="2500" b="1" dirty="0">
